--- a/docs/diagrams/AddShiftSequenceDiagram.pptx
+++ b/docs/diagrams/AddShiftSequenceDiagram.pptx
@@ -212,7 +212,7 @@
           <a:p>
             <a:fld id="{F5CC4B3F-88C1-4FFA-B1B6-F41C21DC6924}" type="datetimeFigureOut">
               <a:rPr lang="en-US" smtClean="0"/>
-              <a:t>4/2/2019</a:t>
+              <a:t>4/15/2019</a:t>
             </a:fld>
             <a:endParaRPr lang="en-US"/>
           </a:p>
@@ -742,7 +742,7 @@
           <a:p>
             <a:fld id="{78C97017-6FC3-485B-9764-EAC9E56C1D49}" type="datetimeFigureOut">
               <a:rPr lang="en-US" smtClean="0"/>
-              <a:t>4/2/2019</a:t>
+              <a:t>4/15/2019</a:t>
             </a:fld>
             <a:endParaRPr lang="en-US"/>
           </a:p>
@@ -910,7 +910,7 @@
           <a:p>
             <a:fld id="{78C97017-6FC3-485B-9764-EAC9E56C1D49}" type="datetimeFigureOut">
               <a:rPr lang="en-US" smtClean="0"/>
-              <a:t>4/2/2019</a:t>
+              <a:t>4/15/2019</a:t>
             </a:fld>
             <a:endParaRPr lang="en-US"/>
           </a:p>
@@ -1088,7 +1088,7 @@
           <a:p>
             <a:fld id="{78C97017-6FC3-485B-9764-EAC9E56C1D49}" type="datetimeFigureOut">
               <a:rPr lang="en-US" smtClean="0"/>
-              <a:t>4/2/2019</a:t>
+              <a:t>4/15/2019</a:t>
             </a:fld>
             <a:endParaRPr lang="en-US"/>
           </a:p>
@@ -1256,7 +1256,7 @@
           <a:p>
             <a:fld id="{78C97017-6FC3-485B-9764-EAC9E56C1D49}" type="datetimeFigureOut">
               <a:rPr lang="en-US" smtClean="0"/>
-              <a:t>4/2/2019</a:t>
+              <a:t>4/15/2019</a:t>
             </a:fld>
             <a:endParaRPr lang="en-US"/>
           </a:p>
@@ -1501,7 +1501,7 @@
           <a:p>
             <a:fld id="{78C97017-6FC3-485B-9764-EAC9E56C1D49}" type="datetimeFigureOut">
               <a:rPr lang="en-US" smtClean="0"/>
-              <a:t>4/2/2019</a:t>
+              <a:t>4/15/2019</a:t>
             </a:fld>
             <a:endParaRPr lang="en-US"/>
           </a:p>
@@ -1786,7 +1786,7 @@
           <a:p>
             <a:fld id="{78C97017-6FC3-485B-9764-EAC9E56C1D49}" type="datetimeFigureOut">
               <a:rPr lang="en-US" smtClean="0"/>
-              <a:t>4/2/2019</a:t>
+              <a:t>4/15/2019</a:t>
             </a:fld>
             <a:endParaRPr lang="en-US"/>
           </a:p>
@@ -2205,7 +2205,7 @@
           <a:p>
             <a:fld id="{78C97017-6FC3-485B-9764-EAC9E56C1D49}" type="datetimeFigureOut">
               <a:rPr lang="en-US" smtClean="0"/>
-              <a:t>4/2/2019</a:t>
+              <a:t>4/15/2019</a:t>
             </a:fld>
             <a:endParaRPr lang="en-US"/>
           </a:p>
@@ -2322,7 +2322,7 @@
           <a:p>
             <a:fld id="{78C97017-6FC3-485B-9764-EAC9E56C1D49}" type="datetimeFigureOut">
               <a:rPr lang="en-US" smtClean="0"/>
-              <a:t>4/2/2019</a:t>
+              <a:t>4/15/2019</a:t>
             </a:fld>
             <a:endParaRPr lang="en-US"/>
           </a:p>
@@ -2417,7 +2417,7 @@
           <a:p>
             <a:fld id="{78C97017-6FC3-485B-9764-EAC9E56C1D49}" type="datetimeFigureOut">
               <a:rPr lang="en-US" smtClean="0"/>
-              <a:t>4/2/2019</a:t>
+              <a:t>4/15/2019</a:t>
             </a:fld>
             <a:endParaRPr lang="en-US"/>
           </a:p>
@@ -2692,7 +2692,7 @@
           <a:p>
             <a:fld id="{78C97017-6FC3-485B-9764-EAC9E56C1D49}" type="datetimeFigureOut">
               <a:rPr lang="en-US" smtClean="0"/>
-              <a:t>4/2/2019</a:t>
+              <a:t>4/15/2019</a:t>
             </a:fld>
             <a:endParaRPr lang="en-US"/>
           </a:p>
@@ -2944,7 +2944,7 @@
           <a:p>
             <a:fld id="{78C97017-6FC3-485B-9764-EAC9E56C1D49}" type="datetimeFigureOut">
               <a:rPr lang="en-US" smtClean="0"/>
-              <a:t>4/2/2019</a:t>
+              <a:t>4/15/2019</a:t>
             </a:fld>
             <a:endParaRPr lang="en-US"/>
           </a:p>
@@ -3155,7 +3155,7 @@
           <a:p>
             <a:fld id="{78C97017-6FC3-485B-9764-EAC9E56C1D49}" type="datetimeFigureOut">
               <a:rPr lang="en-US" smtClean="0"/>
-              <a:t>4/2/2019</a:t>
+              <a:t>4/15/2019</a:t>
             </a:fld>
             <a:endParaRPr lang="en-US"/>
           </a:p>
@@ -3669,7 +3669,7 @@
         <p:spPr>
           <a:xfrm>
             <a:off x="1610959" y="907617"/>
-            <a:ext cx="0" cy="11055783"/>
+            <a:ext cx="0" cy="11469449"/>
           </a:xfrm>
           <a:prstGeom prst="line">
             <a:avLst/>
@@ -3830,7 +3830,7 @@
         <p:spPr>
           <a:xfrm>
             <a:off x="4050587" y="907617"/>
-            <a:ext cx="0" cy="7321983"/>
+            <a:ext cx="0" cy="11469449"/>
           </a:xfrm>
           <a:prstGeom prst="line">
             <a:avLst/>
@@ -3921,7 +3921,7 @@
         <p:spPr>
           <a:xfrm>
             <a:off x="5943600" y="1613633"/>
-            <a:ext cx="0" cy="6615967"/>
+            <a:ext cx="0" cy="6451310"/>
           </a:xfrm>
           <a:prstGeom prst="line">
             <a:avLst/>
@@ -4149,15 +4149,7 @@
                   <a:srgbClr val="0070C0"/>
                 </a:solidFill>
               </a:rPr>
-              <a:t>/14:00</a:t>
-            </a:r>
-            <a:r>
-              <a:rPr lang="en-US" sz="900" dirty="0" smtClean="0">
-                <a:solidFill>
-                  <a:srgbClr val="0070C0"/>
-                </a:solidFill>
-              </a:rPr>
-              <a:t>”)</a:t>
+              <a:t>/14:00”)</a:t>
             </a:r>
             <a:endParaRPr lang="en-US" sz="900" dirty="0">
               <a:solidFill>
@@ -4333,39 +4325,6 @@
       </p:sp>
       <p:sp>
         <p:nvSpPr>
-          <p:cNvPr id="4" name="TextBox 3"/>
-          <p:cNvSpPr txBox="1"/>
-          <p:nvPr/>
-        </p:nvSpPr>
-        <p:spPr>
-          <a:xfrm>
-            <a:off x="5472880" y="4258211"/>
-            <a:ext cx="258404" cy="261610"/>
-          </a:xfrm>
-          <a:prstGeom prst="rect">
-            <a:avLst/>
-          </a:prstGeom>
-          <a:noFill/>
-        </p:spPr>
-        <p:txBody>
-          <a:bodyPr wrap="none" rtlCol="0">
-            <a:spAutoFit/>
-          </a:bodyPr>
-          <a:lstStyle/>
-          <a:p>
-            <a:r>
-              <a:rPr lang="en-SG" sz="1100" dirty="0">
-                <a:solidFill>
-                  <a:srgbClr val="002060"/>
-                </a:solidFill>
-              </a:rPr>
-              <a:t>X</a:t>
-            </a:r>
-          </a:p>
-        </p:txBody>
-      </p:sp>
-      <p:sp>
-        <p:nvSpPr>
           <p:cNvPr id="19" name="Rectangle 62"/>
           <p:cNvSpPr/>
           <p:nvPr/>
@@ -4640,7 +4599,7 @@
         <p:spPr>
           <a:xfrm>
             <a:off x="7625764" y="876142"/>
-            <a:ext cx="0" cy="6210458"/>
+            <a:ext cx="0" cy="11500924"/>
           </a:xfrm>
           <a:prstGeom prst="line">
             <a:avLst/>
@@ -5011,7 +4970,7 @@
         <p:spPr>
           <a:xfrm>
             <a:off x="8915400" y="838200"/>
-            <a:ext cx="0" cy="5410200"/>
+            <a:ext cx="0" cy="11538866"/>
           </a:xfrm>
           <a:prstGeom prst="line">
             <a:avLst/>
@@ -5583,15 +5542,7 @@
             </a:r>
             <a:r>
               <a:rPr lang="en-US" sz="1100" dirty="0" smtClean="0"/>
-              <a:t>(“</a:t>
-            </a:r>
-            <a:r>
-              <a:rPr lang="en-US" sz="1100" dirty="0" smtClean="0"/>
-              <a:t>MONDAY</a:t>
-            </a:r>
-            <a:r>
-              <a:rPr lang="en-US" sz="1100" dirty="0" smtClean="0"/>
-              <a:t>”)</a:t>
+              <a:t>(“MONDAY”)</a:t>
             </a:r>
             <a:endParaRPr lang="en-US" sz="1100" dirty="0"/>
           </a:p>
@@ -5755,15 +5706,7 @@
             </a:r>
             <a:r>
               <a:rPr lang="en-US" sz="1100" dirty="0" smtClean="0"/>
-              <a:t>(“</a:t>
-            </a:r>
-            <a:r>
-              <a:rPr lang="en-US" sz="1100" dirty="0" smtClean="0"/>
-              <a:t>MONDAY</a:t>
-            </a:r>
-            <a:r>
-              <a:rPr lang="en-US" sz="1100" dirty="0" smtClean="0"/>
-              <a:t>”)</a:t>
+              <a:t>(“MONDAY”)</a:t>
             </a:r>
             <a:endParaRPr lang="en-US" sz="1100" dirty="0"/>
           </a:p>
@@ -7064,7 +7007,7 @@
         <p:spPr>
           <a:xfrm>
             <a:off x="13948994" y="8347633"/>
-            <a:ext cx="12985" cy="3463367"/>
+            <a:ext cx="15107" cy="4029433"/>
           </a:xfrm>
           <a:prstGeom prst="line">
             <a:avLst/>
@@ -7937,6 +7880,90 @@
               <a:t>result</a:t>
             </a:r>
             <a:endParaRPr lang="en-US" sz="1100" dirty="0"/>
+          </a:p>
+        </p:txBody>
+      </p:sp>
+      <p:sp>
+        <p:nvSpPr>
+          <p:cNvPr id="13" name="Multiply 12"/>
+          <p:cNvSpPr/>
+          <p:nvPr/>
+        </p:nvSpPr>
+        <p:spPr>
+          <a:xfrm>
+            <a:off x="5715000" y="7848600"/>
+            <a:ext cx="488907" cy="499033"/>
+          </a:xfrm>
+          <a:prstGeom prst="mathMultiply">
+            <a:avLst>
+              <a:gd name="adj1" fmla="val 0"/>
+            </a:avLst>
+          </a:prstGeom>
+        </p:spPr>
+        <p:style>
+          <a:lnRef idx="2">
+            <a:schemeClr val="accent1">
+              <a:shade val="50000"/>
+            </a:schemeClr>
+          </a:lnRef>
+          <a:fillRef idx="1">
+            <a:schemeClr val="accent1"/>
+          </a:fillRef>
+          <a:effectRef idx="0">
+            <a:schemeClr val="accent1"/>
+          </a:effectRef>
+          <a:fontRef idx="minor">
+            <a:schemeClr val="lt1"/>
+          </a:fontRef>
+        </p:style>
+        <p:txBody>
+          <a:bodyPr rtlCol="0" anchor="ctr"/>
+          <a:lstStyle/>
+          <a:p>
+            <a:pPr algn="ctr"/>
+            <a:endParaRPr lang="en-US"/>
+          </a:p>
+        </p:txBody>
+      </p:sp>
+      <p:sp>
+        <p:nvSpPr>
+          <p:cNvPr id="105" name="Multiply 104"/>
+          <p:cNvSpPr/>
+          <p:nvPr/>
+        </p:nvSpPr>
+        <p:spPr>
+          <a:xfrm>
+            <a:off x="10134600" y="12115800"/>
+            <a:ext cx="488907" cy="499033"/>
+          </a:xfrm>
+          <a:prstGeom prst="mathMultiply">
+            <a:avLst>
+              <a:gd name="adj1" fmla="val 0"/>
+            </a:avLst>
+          </a:prstGeom>
+        </p:spPr>
+        <p:style>
+          <a:lnRef idx="2">
+            <a:schemeClr val="accent1">
+              <a:shade val="50000"/>
+            </a:schemeClr>
+          </a:lnRef>
+          <a:fillRef idx="1">
+            <a:schemeClr val="accent1"/>
+          </a:fillRef>
+          <a:effectRef idx="0">
+            <a:schemeClr val="accent1"/>
+          </a:effectRef>
+          <a:fontRef idx="minor">
+            <a:schemeClr val="lt1"/>
+          </a:fontRef>
+        </p:style>
+        <p:txBody>
+          <a:bodyPr rtlCol="0" anchor="ctr"/>
+          <a:lstStyle/>
+          <a:p>
+            <a:pPr algn="ctr"/>
+            <a:endParaRPr lang="en-US"/>
           </a:p>
         </p:txBody>
       </p:sp>
